--- a/BigMountainResort_Problem_Statement_Worksheet_MWipf.pptx
+++ b/BigMountainResort_Problem_Statement_Worksheet_MWipf.pptx
@@ -5696,9 +5696,25 @@
                 <a:cs typeface="Quattrocento Sans"/>
                 <a:sym typeface="Quattrocento Sans"/>
               </a:rPr>
-              <a:t>Problem Statement Worksheet (Hypothesis Formation)</a:t>
-            </a:r>
-            <a:endParaRPr/>
+              <a:t>Problem Statement Big Horn Mountain Capstone                                 </a:t>
+            </a:r>
+            <a:r>
+              <a:rPr lang="en-AU" sz="1400">
+                <a:solidFill>
+                  <a:srgbClr val="000000"/>
+                </a:solidFill>
+                <a:latin typeface="Quattrocento Sans"/>
+                <a:ea typeface="Quattrocento Sans"/>
+                <a:cs typeface="Quattrocento Sans"/>
+                <a:sym typeface="Quattrocento Sans"/>
+              </a:rPr>
+              <a:t>Martin Wipf</a:t>
+            </a:r>
+            <a:endParaRPr sz="1400">
+              <a:solidFill>
+                <a:srgbClr val="000000"/>
+              </a:solidFill>
+            </a:endParaRPr>
           </a:p>
         </p:txBody>
       </p:sp>
